--- a/intro-to-oop.pptx
+++ b/intro-to-oop.pptx
@@ -230,7 +230,7 @@
           <a:p>
             <a:fld id="{CAA47771-BE1A-0F41-A2AB-502D986D5C71}" type="datetimeFigureOut">
               <a:rPr lang="en-US" smtClean="0"/>
-              <a:t>11/2/14</a:t>
+              <a:t>3/23/15</a:t>
             </a:fld>
             <a:endParaRPr lang="en-US"/>
           </a:p>
@@ -396,7 +396,7 @@
           <a:p>
             <a:fld id="{4083CDE4-3FA1-6A4B-862D-E61F193A4941}" type="datetimeFigureOut">
               <a:rPr lang="en-US" smtClean="0"/>
-              <a:t>11/2/14</a:t>
+              <a:t>3/23/15</a:t>
             </a:fld>
             <a:endParaRPr lang="en-US"/>
           </a:p>
@@ -2114,44 +2114,6 @@
       </p:sp>
       <p:sp>
         <p:nvSpPr>
-          <p:cNvPr id="5" name="TextBox 4"/>
-          <p:cNvSpPr txBox="1"/>
-          <p:nvPr/>
-        </p:nvSpPr>
-        <p:spPr>
-          <a:xfrm>
-            <a:off x="507990" y="6324603"/>
-            <a:ext cx="2878667" cy="369332"/>
-          </a:xfrm>
-          <a:prstGeom prst="rect">
-            <a:avLst/>
-          </a:prstGeom>
-          <a:noFill/>
-        </p:spPr>
-        <p:txBody>
-          <a:bodyPr wrap="square" rtlCol="0">
-            <a:spAutoFit/>
-          </a:bodyPr>
-          <a:lstStyle/>
-          <a:p>
-            <a:r>
-              <a:rPr lang="en-US" dirty="0" smtClean="0">
-                <a:solidFill>
-                  <a:schemeClr val="accent3"/>
-                </a:solidFill>
-              </a:rPr>
-              <a:t>Author:  Torey Hickman</a:t>
-            </a:r>
-            <a:endParaRPr lang="en-US" dirty="0">
-              <a:solidFill>
-                <a:schemeClr val="accent3"/>
-              </a:solidFill>
-            </a:endParaRPr>
-          </a:p>
-        </p:txBody>
-      </p:sp>
-      <p:sp>
-        <p:nvSpPr>
           <p:cNvPr id="6" name="TextBox 5"/>
           <p:cNvSpPr txBox="1"/>
           <p:nvPr/>
@@ -2636,7 +2598,6 @@
               <a:rPr lang="en-US" dirty="0" smtClean="0"/>
               <a:t>: “Hickman”,</a:t>
             </a:r>
-            <a:endParaRPr lang="en-US" dirty="0" smtClean="0"/>
           </a:p>
           <a:p>
             <a:r>
@@ -2645,11 +2606,7 @@
             </a:r>
             <a:r>
               <a:rPr lang="en-US" dirty="0" smtClean="0"/>
-              <a:t>         </a:t>
-            </a:r>
-            <a:r>
-              <a:rPr lang="en-US" dirty="0" smtClean="0"/>
-              <a:t>age</a:t>
+              <a:t>         age</a:t>
             </a:r>
             <a:r>
               <a:rPr lang="en-US" dirty="0"/>
@@ -2831,11 +2788,7 @@
             </a:r>
             <a:r>
               <a:rPr lang="en-US" dirty="0" smtClean="0"/>
-              <a:t>o link between methods and </a:t>
-            </a:r>
-            <a:r>
-              <a:rPr lang="en-US" dirty="0" smtClean="0"/>
-              <a:t>data</a:t>
+              <a:t>o link between methods and data</a:t>
             </a:r>
             <a:endParaRPr lang="en-US" dirty="0"/>
           </a:p>
@@ -5158,21 +5111,8 @@
                   <a:schemeClr val="accent3"/>
                 </a:solidFill>
               </a:rPr>
-              <a:t>ncapsulate related data and </a:t>
-            </a:r>
-            <a:r>
-              <a:rPr lang="en-US" dirty="0" smtClean="0">
-                <a:solidFill>
-                  <a:schemeClr val="accent3"/>
-                </a:solidFill>
-              </a:rPr>
-              <a:t>behaviors </a:t>
-            </a:r>
-            <a:endParaRPr lang="en-US" dirty="0" smtClean="0">
-              <a:solidFill>
-                <a:schemeClr val="accent3"/>
-              </a:solidFill>
-            </a:endParaRPr>
+              <a:t>ncapsulate related data and behaviors </a:t>
+            </a:r>
           </a:p>
           <a:p>
             <a:pPr lvl="1"/>
@@ -5288,11 +5228,7 @@
           <a:p>
             <a:r>
               <a:rPr lang="en-US" dirty="0" smtClean="0"/>
-              <a:t>Classes: both data </a:t>
-            </a:r>
-            <a:r>
-              <a:rPr lang="en-US" dirty="0" smtClean="0"/>
-              <a:t>and behavior</a:t>
+              <a:t>Classes: both data and behavior</a:t>
             </a:r>
           </a:p>
           <a:p>
@@ -6220,13 +6156,8 @@
                     <a:p>
                       <a:r>
                         <a:rPr lang="en-US" dirty="0" smtClean="0"/>
-                        <a:t>#</a:t>
+                        <a:t>#each</a:t>
                       </a:r>
-                      <a:r>
-                        <a:rPr lang="en-US" dirty="0" smtClean="0"/>
-                        <a:t>each</a:t>
-                      </a:r>
-                      <a:endParaRPr lang="en-US" dirty="0" smtClean="0"/>
                     </a:p>
                   </a:txBody>
                   <a:tcPr anchor="ctr">
@@ -6598,13 +6529,8 @@
                     <a:p>
                       <a:r>
                         <a:rPr lang="en-US" dirty="0" smtClean="0"/>
-                        <a:t>#</a:t>
+                        <a:t>#strip</a:t>
                       </a:r>
-                      <a:r>
-                        <a:rPr lang="en-US" dirty="0" smtClean="0"/>
-                        <a:t>strip</a:t>
-                      </a:r>
-                      <a:endParaRPr lang="en-US" dirty="0" smtClean="0"/>
                     </a:p>
                     <a:p>
                       <a:r>
@@ -7738,11 +7664,7 @@
             </a:r>
             <a:r>
               <a:rPr lang="en-US" dirty="0" smtClean="0"/>
-              <a:t> initialize</a:t>
-            </a:r>
-            <a:r>
-              <a:rPr lang="en-US" dirty="0" smtClean="0"/>
-              <a:t>(</a:t>
+              <a:t> initialize(</a:t>
             </a:r>
             <a:r>
               <a:rPr lang="en-US" dirty="0" err="1" smtClean="0"/>
@@ -7752,7 +7674,6 @@
               <a:rPr lang="en-US" dirty="0" smtClean="0"/>
               <a:t>)</a:t>
             </a:r>
-            <a:endParaRPr lang="en-US" dirty="0" smtClean="0"/>
           </a:p>
           <a:p>
             <a:r>
@@ -7761,11 +7682,7 @@
             </a:r>
             <a:r>
               <a:rPr lang="en-US" dirty="0" smtClean="0"/>
-              <a:t>   @age </a:t>
-            </a:r>
-            <a:r>
-              <a:rPr lang="en-US" dirty="0" smtClean="0"/>
-              <a:t>  = </a:t>
+              <a:t>   @age   = </a:t>
             </a:r>
             <a:r>
               <a:rPr lang="en-US" dirty="0" err="1" smtClean="0"/>
@@ -7775,7 +7692,6 @@
               <a:rPr lang="en-US" dirty="0" smtClean="0"/>
               <a:t>[:age]</a:t>
             </a:r>
-            <a:endParaRPr lang="en-US" dirty="0" smtClean="0"/>
           </a:p>
           <a:p>
             <a:r>
@@ -7798,7 +7714,6 @@
               <a:rPr lang="en-US" dirty="0" smtClean="0"/>
               <a:t>:alive, true)</a:t>
             </a:r>
-            <a:endParaRPr lang="en-US" dirty="0" smtClean="0"/>
           </a:p>
           <a:p>
             <a:r>
@@ -7970,7 +7885,6 @@
               <a:rPr lang="en-US" dirty="0" smtClean="0"/>
               <a:t>({age: 34})</a:t>
             </a:r>
-            <a:endParaRPr lang="en-US" dirty="0" smtClean="0"/>
           </a:p>
           <a:p>
             <a:r>
@@ -10328,11 +10242,7 @@
           <a:p>
             <a:r>
               <a:rPr lang="en-US" dirty="0" smtClean="0"/>
-              <a:t>Week One </a:t>
-            </a:r>
-            <a:r>
-              <a:rPr lang="en-US" dirty="0" smtClean="0"/>
-              <a:t>Challenges</a:t>
+              <a:t>Week One Challenges</a:t>
             </a:r>
             <a:endParaRPr lang="en-US" dirty="0"/>
           </a:p>
@@ -10357,13 +10267,8 @@
           <a:p>
             <a:r>
               <a:rPr lang="en-US" dirty="0" smtClean="0"/>
-              <a:t>Focus on u</a:t>
-            </a:r>
-            <a:r>
-              <a:rPr lang="en-US" dirty="0" smtClean="0"/>
-              <a:t>sing the ruby core classes</a:t>
-            </a:r>
-            <a:endParaRPr lang="en-US" dirty="0" smtClean="0"/>
+              <a:t>Focus on using the ruby core classes</a:t>
+            </a:r>
           </a:p>
         </p:txBody>
       </p:sp>
@@ -10965,13 +10870,8 @@
                     <a:p>
                       <a:r>
                         <a:rPr lang="en-US" dirty="0" smtClean="0"/>
-                        <a:t>#</a:t>
+                        <a:t>#each</a:t>
                       </a:r>
-                      <a:r>
-                        <a:rPr lang="en-US" dirty="0" smtClean="0"/>
-                        <a:t>each</a:t>
-                      </a:r>
-                      <a:endParaRPr lang="en-US" dirty="0" smtClean="0"/>
                     </a:p>
                   </a:txBody>
                   <a:tcPr anchor="ctr">
@@ -11343,13 +11243,8 @@
                     <a:p>
                       <a:r>
                         <a:rPr lang="en-US" dirty="0" smtClean="0"/>
-                        <a:t>#</a:t>
+                        <a:t>#strip</a:t>
                       </a:r>
-                      <a:r>
-                        <a:rPr lang="en-US" dirty="0" smtClean="0"/>
-                        <a:t>strip</a:t>
-                      </a:r>
-                      <a:endParaRPr lang="en-US" dirty="0" smtClean="0"/>
                     </a:p>
                     <a:p>
                       <a:r>
@@ -11633,11 +11528,7 @@
             </a:r>
             <a:r>
               <a:rPr lang="en-US" dirty="0" smtClean="0"/>
-              <a:t> initialize</a:t>
-            </a:r>
-            <a:r>
-              <a:rPr lang="en-US" dirty="0" smtClean="0"/>
-              <a:t>(</a:t>
+              <a:t> initialize(</a:t>
             </a:r>
             <a:r>
               <a:rPr lang="en-US" dirty="0" err="1" smtClean="0"/>
@@ -11647,7 +11538,6 @@
               <a:rPr lang="en-US" dirty="0" smtClean="0"/>
               <a:t>)</a:t>
             </a:r>
-            <a:endParaRPr lang="en-US" dirty="0" smtClean="0"/>
           </a:p>
           <a:p>
             <a:r>
@@ -11656,11 +11546,7 @@
             </a:r>
             <a:r>
               <a:rPr lang="en-US" dirty="0" smtClean="0"/>
-              <a:t>   @age </a:t>
-            </a:r>
-            <a:r>
-              <a:rPr lang="en-US" dirty="0" smtClean="0"/>
-              <a:t>  = </a:t>
+              <a:t>   @age   = </a:t>
             </a:r>
             <a:r>
               <a:rPr lang="en-US" dirty="0" err="1" smtClean="0"/>
@@ -11670,7 +11556,6 @@
               <a:rPr lang="en-US" dirty="0" smtClean="0"/>
               <a:t>[:age]</a:t>
             </a:r>
-            <a:endParaRPr lang="en-US" dirty="0" smtClean="0"/>
           </a:p>
           <a:p>
             <a:r>
@@ -11679,13 +11564,8 @@
             </a:r>
             <a:r>
               <a:rPr lang="en-US" dirty="0" smtClean="0"/>
-              <a:t>   @alive </a:t>
-            </a:r>
-            <a:r>
-              <a:rPr lang="en-US" dirty="0" smtClean="0"/>
-              <a:t>= true</a:t>
-            </a:r>
-            <a:endParaRPr lang="en-US" dirty="0" smtClean="0"/>
+              <a:t>   @alive = true</a:t>
+            </a:r>
           </a:p>
           <a:p>
             <a:r>
@@ -11764,7 +11644,6 @@
               <a:rPr lang="en-US" dirty="0" smtClean="0"/>
               <a:t>({age: 34})</a:t>
             </a:r>
-            <a:endParaRPr lang="en-US" dirty="0" smtClean="0"/>
           </a:p>
         </p:txBody>
       </p:sp>
@@ -12058,7 +11937,22 @@
             </a:r>
             <a:r>
               <a:rPr lang="en-US" dirty="0" smtClean="0"/>
-              <a:t> </a:t>
+              <a:t>  = </a:t>
+            </a:r>
+            <a:r>
+              <a:rPr lang="en-US" dirty="0" err="1" smtClean="0"/>
+              <a:t>Person.new</a:t>
+            </a:r>
+            <a:r>
+              <a:rPr lang="en-US" dirty="0" smtClean="0"/>
+              <a:t>({age: 34})</a:t>
+            </a:r>
+            <a:endParaRPr lang="en-US" dirty="0"/>
+          </a:p>
+          <a:p>
+            <a:r>
+              <a:rPr lang="en-US" dirty="0" err="1" smtClean="0"/>
+              <a:t>tenley</a:t>
             </a:r>
             <a:r>
               <a:rPr lang="en-US" dirty="0" smtClean="0"/>
@@ -12066,32 +11960,12 @@
             </a:r>
             <a:r>
               <a:rPr lang="en-US" dirty="0" err="1" smtClean="0"/>
-              <a:t>Person.new</a:t>
-            </a:r>
-            <a:r>
-              <a:rPr lang="en-US" dirty="0" smtClean="0"/>
-              <a:t>({age: 34})</a:t>
-            </a:r>
-            <a:endParaRPr lang="en-US" dirty="0"/>
-          </a:p>
-          <a:p>
-            <a:r>
-              <a:rPr lang="en-US" dirty="0" err="1" smtClean="0"/>
-              <a:t>tenley</a:t>
-            </a:r>
-            <a:r>
-              <a:rPr lang="en-US" dirty="0" smtClean="0"/>
-              <a:t> = </a:t>
-            </a:r>
-            <a:r>
-              <a:rPr lang="en-US" dirty="0" err="1" smtClean="0"/>
               <a:t>Dog.new</a:t>
             </a:r>
             <a:r>
               <a:rPr lang="en-US" dirty="0" smtClean="0"/>
               <a:t>({age: 1})</a:t>
             </a:r>
-            <a:endParaRPr lang="en-US" dirty="0" smtClean="0"/>
           </a:p>
         </p:txBody>
       </p:sp>
@@ -14608,7 +14482,6 @@
               <a:rPr lang="en-US" dirty="0"/>
               <a:t>Controlled Interface</a:t>
             </a:r>
-            <a:endParaRPr lang="en-US" dirty="0"/>
           </a:p>
         </p:txBody>
       </p:sp>
@@ -15561,7 +15434,6 @@
               <a:rPr lang="en-US" dirty="0"/>
               <a:t>Controlled Interface</a:t>
             </a:r>
-            <a:endParaRPr lang="en-US" dirty="0"/>
           </a:p>
         </p:txBody>
       </p:sp>
@@ -16620,11 +16492,6 @@
               </a:rPr>
               <a:t>private</a:t>
             </a:r>
-            <a:endParaRPr lang="en-US" dirty="0" smtClean="0">
-              <a:solidFill>
-                <a:srgbClr val="EA4A3C"/>
-              </a:solidFill>
-            </a:endParaRPr>
           </a:p>
           <a:p>
             <a:r>
@@ -18620,13 +18487,6 @@
               </a:rPr>
               <a:t>(john)</a:t>
             </a:r>
-            <a:endParaRPr lang="en-US" sz="1500" dirty="0" smtClean="0">
-              <a:solidFill>
-                <a:schemeClr val="accent3"/>
-              </a:solidFill>
-              <a:latin typeface="Andale Mono"/>
-              <a:cs typeface="Andale Mono"/>
-            </a:endParaRPr>
           </a:p>
           <a:p>
             <a:pPr marL="0" indent="0">
